--- a/Aula 5 - Estatística.pptx
+++ b/Aula 5 - Estatística.pptx
@@ -9952,7 +9952,7 @@
             </a:pPr>
             <a:r>
               <a:rPr lang="pt-BR" sz="1700"/>
-              <a:t>Divida pela quantidade de dados</a:t>
+              <a:t>Dividir por (quantidade de dados -1)</a:t>
             </a:r>
             <a:endParaRPr sz="1700"/>
           </a:p>
@@ -10529,7 +10529,7 @@
             </a:pPr>
             <a:r>
               <a:rPr lang="pt-BR" sz="1700"/>
-              <a:t>O quão distante um valor está do valor correto.</a:t>
+              <a:t>O quão distante um valor calculado está do valor correto.</a:t>
             </a:r>
             <a:endParaRPr sz="1700"/>
           </a:p>
@@ -10545,7 +10545,7 @@
             </a:pPr>
             <a:r>
               <a:rPr lang="pt-BR" sz="1700"/>
-              <a:t>Ex: o batimento cardíaco normal é 70. Você está com 90.</a:t>
+              <a:t>Ex: uma sala mede 11.7 metros, mas uma certa forma de medir deu 10,4 metros.</a:t>
             </a:r>
             <a:endParaRPr sz="1700"/>
           </a:p>
@@ -10571,13 +10571,60 @@
                 <a:spcPts val="1000"/>
               </a:spcBef>
               <a:spcAft>
+                <a:spcPts val="0"/>
+              </a:spcAft>
+              <a:buNone/>
+            </a:pPr>
+            <a:r>
+              <a:rPr lang="pt-BR" sz="1700"/>
+              <a:t>Erro = (calculado - correto) / correto</a:t>
+            </a:r>
+            <a:endParaRPr sz="1700"/>
+          </a:p>
+          <a:p>
+            <a:pPr indent="0" lvl="0" marL="0" rtl="0" algn="l">
+              <a:spcBef>
                 <a:spcPts val="1000"/>
+              </a:spcBef>
+              <a:spcAft>
+                <a:spcPts val="0"/>
+              </a:spcAft>
+              <a:buNone/>
+            </a:pPr>
+            <a:r>
+              <a:t/>
+            </a:r>
+            <a:endParaRPr sz="1700"/>
+          </a:p>
+          <a:p>
+            <a:pPr indent="0" lvl="0" marL="0" rtl="0" algn="l">
+              <a:spcBef>
+                <a:spcPts val="1000"/>
+              </a:spcBef>
+              <a:spcAft>
+                <a:spcPts val="0"/>
               </a:spcAft>
               <a:buNone/>
             </a:pPr>
             <a:r>
               <a:rPr lang="pt-BR" sz="1700"/>
-              <a:t>Erro = (valor - correto) / correto</a:t>
+              <a:t>Erro negativo quer dizer que o valor calculado é menor que o correto</a:t>
+            </a:r>
+            <a:endParaRPr sz="1700"/>
+          </a:p>
+          <a:p>
+            <a:pPr indent="0" lvl="0" marL="0" rtl="0" algn="l">
+              <a:spcBef>
+                <a:spcPts val="1000"/>
+              </a:spcBef>
+              <a:spcAft>
+                <a:spcPts val="1000"/>
+              </a:spcAft>
+              <a:buNone/>
+            </a:pPr>
+            <a:r>
+              <a:rPr lang="pt-BR" sz="1700"/>
+              <a:t>Erro positivo quer dizer que o valor calculado é maior que o correto</a:t>
             </a:r>
             <a:endParaRPr sz="1700"/>
           </a:p>
